--- a/server/uploads/updated-check.pptx
+++ b/server/uploads/updated-check.pptx
@@ -19,7 +19,6 @@
     <p:sldId id="265" r:id="rId13"/>
     <p:sldId id="266" r:id="rId14"/>
     <p:sldId id="267" r:id="rId15"/>
-    <p:sldId id="268" r:id="rId16"/>
   </p:sldIdLst>
   <p:sldSz cx="12192000" cy="6858000"/>
   <p:notesSz cx="6858000" cy="9144000"/>
@@ -275,7 +274,7 @@
           <a:p>
             <a:fld id="{94463C9C-F912-4252-8C2D-08E20751123F}" type="datetimeFigureOut">
               <a:rPr lang="he-IL" smtClean="0"/>
-              <a:t>כ"ז/ניסן/תשפ"ב</a:t>
+              <a:t>ד'/אייר/תשפ"ב</a:t>
             </a:fld>
             <a:endParaRPr lang="he-IL" dirty="0"/>
           </a:p>
@@ -475,7 +474,7 @@
           <a:p>
             <a:fld id="{94463C9C-F912-4252-8C2D-08E20751123F}" type="datetimeFigureOut">
               <a:rPr lang="he-IL" smtClean="0"/>
-              <a:t>כ"ז/ניסן/תשפ"ב</a:t>
+              <a:t>ד'/אייר/תשפ"ב</a:t>
             </a:fld>
             <a:endParaRPr lang="he-IL" dirty="0"/>
           </a:p>
@@ -685,7 +684,7 @@
           <a:p>
             <a:fld id="{94463C9C-F912-4252-8C2D-08E20751123F}" type="datetimeFigureOut">
               <a:rPr lang="he-IL" smtClean="0"/>
-              <a:t>כ"ז/ניסן/תשפ"ב</a:t>
+              <a:t>ד'/אייר/תשפ"ב</a:t>
             </a:fld>
             <a:endParaRPr lang="he-IL" dirty="0"/>
           </a:p>
@@ -885,7 +884,7 @@
           <a:p>
             <a:fld id="{94463C9C-F912-4252-8C2D-08E20751123F}" type="datetimeFigureOut">
               <a:rPr lang="he-IL" smtClean="0"/>
-              <a:t>כ"ז/ניסן/תשפ"ב</a:t>
+              <a:t>ד'/אייר/תשפ"ב</a:t>
             </a:fld>
             <a:endParaRPr lang="he-IL" dirty="0"/>
           </a:p>
@@ -1161,7 +1160,7 @@
           <a:p>
             <a:fld id="{94463C9C-F912-4252-8C2D-08E20751123F}" type="datetimeFigureOut">
               <a:rPr lang="he-IL" smtClean="0"/>
-              <a:t>כ"ז/ניסן/תשפ"ב</a:t>
+              <a:t>ד'/אייר/תשפ"ב</a:t>
             </a:fld>
             <a:endParaRPr lang="he-IL" dirty="0"/>
           </a:p>
@@ -1429,7 +1428,7 @@
           <a:p>
             <a:fld id="{94463C9C-F912-4252-8C2D-08E20751123F}" type="datetimeFigureOut">
               <a:rPr lang="he-IL" smtClean="0"/>
-              <a:t>כ"ז/ניסן/תשפ"ב</a:t>
+              <a:t>ד'/אייר/תשפ"ב</a:t>
             </a:fld>
             <a:endParaRPr lang="he-IL" dirty="0"/>
           </a:p>
@@ -1844,7 +1843,7 @@
           <a:p>
             <a:fld id="{94463C9C-F912-4252-8C2D-08E20751123F}" type="datetimeFigureOut">
               <a:rPr lang="he-IL" smtClean="0"/>
-              <a:t>כ"ז/ניסן/תשפ"ב</a:t>
+              <a:t>ד'/אייר/תשפ"ב</a:t>
             </a:fld>
             <a:endParaRPr lang="he-IL" dirty="0"/>
           </a:p>
@@ -1986,7 +1985,7 @@
           <a:p>
             <a:fld id="{94463C9C-F912-4252-8C2D-08E20751123F}" type="datetimeFigureOut">
               <a:rPr lang="he-IL" smtClean="0"/>
-              <a:t>כ"ז/ניסן/תשפ"ב</a:t>
+              <a:t>ד'/אייר/תשפ"ב</a:t>
             </a:fld>
             <a:endParaRPr lang="he-IL" dirty="0"/>
           </a:p>
@@ -2099,7 +2098,7 @@
           <a:p>
             <a:fld id="{94463C9C-F912-4252-8C2D-08E20751123F}" type="datetimeFigureOut">
               <a:rPr lang="he-IL" smtClean="0"/>
-              <a:t>כ"ז/ניסן/תשפ"ב</a:t>
+              <a:t>ד'/אייר/תשפ"ב</a:t>
             </a:fld>
             <a:endParaRPr lang="he-IL" dirty="0"/>
           </a:p>
@@ -2412,7 +2411,7 @@
           <a:p>
             <a:fld id="{94463C9C-F912-4252-8C2D-08E20751123F}" type="datetimeFigureOut">
               <a:rPr lang="he-IL" smtClean="0"/>
-              <a:t>כ"ז/ניסן/תשפ"ב</a:t>
+              <a:t>ד'/אייר/תשפ"ב</a:t>
             </a:fld>
             <a:endParaRPr lang="he-IL" dirty="0"/>
           </a:p>
@@ -2701,7 +2700,7 @@
           <a:p>
             <a:fld id="{94463C9C-F912-4252-8C2D-08E20751123F}" type="datetimeFigureOut">
               <a:rPr lang="he-IL" smtClean="0"/>
-              <a:t>כ"ז/ניסן/תשפ"ב</a:t>
+              <a:t>ד'/אייר/תשפ"ב</a:t>
             </a:fld>
             <a:endParaRPr lang="he-IL" dirty="0"/>
           </a:p>
@@ -2947,7 +2946,7 @@
           <a:p>
             <a:fld id="{94463C9C-F912-4252-8C2D-08E20751123F}" type="datetimeFigureOut">
               <a:rPr lang="he-IL" smtClean="0"/>
-              <a:t>כ"ז/ניסן/תשפ"ב</a:t>
+              <a:t>ד'/אייר/תשפ"ב</a:t>
             </a:fld>
             <a:endParaRPr lang="he-IL" dirty="0"/>
           </a:p>
@@ -3445,7 +3444,7 @@
             <a:r>
               <a:rPr lang="en-US" dirty="0">
                 <a:solidFill>
-                  <a:srgbClr val="00286c"/>
+                  <a:srgbClr val="0070C0"/>
                 </a:solidFill>
               </a:rPr>
               <a:t>Aurangzeb Khan, Baharum Baharudin, Lam Hong Lee*, </a:t>
@@ -3453,7 +3452,7 @@
             <a:r>
               <a:rPr lang="en-US" dirty="0" err="1">
                 <a:solidFill>
-                  <a:srgbClr val="00286c"/>
+                  <a:srgbClr val="0070C0"/>
                 </a:solidFill>
               </a:rPr>
               <a:t>Khairullah</a:t>
@@ -3461,7 +3460,7 @@
             <a:r>
               <a:rPr lang="en-US" dirty="0">
                 <a:solidFill>
-                  <a:srgbClr val="00286c"/>
+                  <a:srgbClr val="0070C0"/>
                 </a:solidFill>
               </a:rPr>
               <a:t> khan</a:t>
@@ -3469,7 +3468,7 @@
             <a:r>
               <a:rPr lang="en-US" dirty="0">
                 <a:solidFill>
-                  <a:srgbClr val="00286c"/>
+                  <a:srgbClr val="0070C0"/>
                 </a:solidFill>
               </a:rPr>
               <a:t>FEBRUARY 2010</a:t>
@@ -3685,7 +3684,7 @@
             <a:r>
               <a:rPr lang="en-US" dirty="0">
                 <a:solidFill>
-                  <a:srgbClr val="002060"/>
+                  <a:schemeClr val="000000"/>
                 </a:solidFill>
               </a:rPr>
               <a:t>Moran </a:t>
@@ -3693,7 +3692,7 @@
             <a:r>
               <a:rPr lang="en-US" dirty="0" err="1">
                 <a:solidFill>
-                  <a:srgbClr val="002060"/>
+                  <a:schemeClr val="000000"/>
                 </a:solidFill>
               </a:rPr>
               <a:t>Abitbul</a:t>
@@ -3709,7 +3708,7 @@
             <a:r>
               <a:rPr lang="en-US" dirty="0">
                 <a:solidFill>
-                  <a:srgbClr val="002060"/>
+                  <a:schemeClr val="000000"/>
                 </a:solidFill>
               </a:rPr>
               <a:t>Tair Farangi</a:t>
@@ -4774,66 +4773,6 @@
     <p:extLst>
       <p:ext uri="{BB962C8B-B14F-4D97-AF65-F5344CB8AC3E}">
         <p14:creationId xmlns:p14="http://schemas.microsoft.com/office/powerpoint/2010/main" val="3354090757"/>
-      </p:ext>
-    </p:extLst>
-  </p:cSld>
-  <p:clrMapOvr>
-    <a:masterClrMapping/>
-  </p:clrMapOvr>
-</p:sld>
-</file>
-
-<file path=ppt/slides/slide15.xml><?xml version="1.0" encoding="utf-8"?>
-<p:sld xmlns:a="http://schemas.openxmlformats.org/drawingml/2006/main" xmlns:r="http://schemas.openxmlformats.org/officeDocument/2006/relationships" xmlns:p="http://schemas.openxmlformats.org/presentationml/2006/main">
-  <p:cSld>
-    <p:spTree>
-      <p:nvGrpSpPr>
-        <p:cNvPr id="1" name=""/>
-        <p:cNvGrpSpPr/>
-        <p:nvPr/>
-      </p:nvGrpSpPr>
-      <p:grpSpPr>
-        <a:xfrm>
-          <a:off x="0" y="0"/>
-          <a:ext cx="0" cy="0"/>
-          <a:chOff x="0" y="0"/>
-          <a:chExt cx="0" cy="0"/>
-        </a:xfrm>
-      </p:grpSpPr>
-      <p:pic>
-        <p:nvPicPr>
-          <p:cNvPr id="4" name="תמונה 3">
-            <a:extLst>
-              <a:ext uri="{FF2B5EF4-FFF2-40B4-BE49-F238E27FC236}">
-                <a16:creationId xmlns:a16="http://schemas.microsoft.com/office/drawing/2014/main" id="{A21CFB5E-66C0-4CF8-B8B8-51C521903EF5}"/>
-              </a:ext>
-            </a:extLst>
-          </p:cNvPr>
-          <p:cNvPicPr>
-            <a:picLocks noChangeAspect="1"/>
-          </p:cNvPicPr>
-          <p:nvPr/>
-        </p:nvPicPr>
-        <p:blipFill>
-          <a:blip r:embed="rId2"/>
-          <a:stretch>
-            <a:fillRect/>
-          </a:stretch>
-        </p:blipFill>
-        <p:spPr>
-          <a:xfrm>
-            <a:off x="3038475" y="1057241"/>
-            <a:ext cx="6443150" cy="4743518"/>
-          </a:xfrm>
-          <a:prstGeom prst="rect">
-            <a:avLst/>
-          </a:prstGeom>
-        </p:spPr>
-      </p:pic>
-    </p:spTree>
-    <p:extLst>
-      <p:ext uri="{BB962C8B-B14F-4D97-AF65-F5344CB8AC3E}">
-        <p14:creationId xmlns:p14="http://schemas.microsoft.com/office/powerpoint/2010/main" val="4042024109"/>
       </p:ext>
     </p:extLst>
   </p:cSld>
@@ -4895,7 +4834,7 @@
                   <a:srgbClr val="002d60"/>
                 </a:solidFill>
               </a:rPr>
-              <a:t>Outline.</a:t>
+              <a:t>Outline</a:t>
             </a:r>
             <a:endParaRPr lang="he-IL" b="1" dirty="0">
               <a:solidFill>
@@ -5104,7 +5043,7 @@
                   <a:srgbClr val="00387f"/>
                 </a:solidFill>
               </a:rPr>
-              <a:t>Machine Learning.</a:t>
+              <a:t>Machine Learning</a:t>
             </a:r>
           </a:p>
           <a:p>
@@ -5115,7 +5054,7 @@
                   <a:srgbClr val="00387f"/>
                 </a:solidFill>
               </a:rPr>
-              <a:t>Definitions.</a:t>
+              <a:t>Definitions</a:t>
             </a:r>
           </a:p>
           <a:p>
@@ -5123,10 +5062,10 @@
             <a:r>
               <a:rPr lang="en-US" dirty="0">
                 <a:solidFill>
-                  <a:srgbClr val="393939"/>
+                  <a:srgbClr val="000000"/>
                 </a:solidFill>
               </a:rPr>
-              <a:t>Text Mining.</a:t>
+              <a:t>Text Mining</a:t>
             </a:r>
           </a:p>
           <a:p>
@@ -5134,10 +5073,10 @@
             <a:r>
               <a:rPr lang="en-US" dirty="0">
                 <a:solidFill>
-                  <a:srgbClr val="393939"/>
+                  <a:srgbClr val="000000"/>
                 </a:solidFill>
               </a:rPr>
-              <a:t>Learning Algorithm.</a:t>
+              <a:t>Learning Algorithm</a:t>
             </a:r>
           </a:p>
           <a:p>
@@ -5145,10 +5084,10 @@
             <a:r>
               <a:rPr lang="en-US" dirty="0">
                 <a:solidFill>
-                  <a:srgbClr val="393939"/>
+                  <a:srgbClr val="000000"/>
                 </a:solidFill>
               </a:rPr>
-              <a:t>Text mining for market prediction.</a:t>
+              <a:t>Text mining for market prediction</a:t>
             </a:r>
           </a:p>
           <a:p>
@@ -5156,10 +5095,10 @@
             <a:r>
               <a:rPr lang="en-US" dirty="0">
                 <a:solidFill>
-                  <a:srgbClr val="393939"/>
+                  <a:srgbClr val="000000"/>
                 </a:solidFill>
               </a:rPr>
-              <a:t>Conclusions.</a:t>
+              <a:t>Conclusions</a:t>
             </a:r>
             <a:endParaRPr lang="he-IL" dirty="0"/>
           </a:p>
@@ -5279,11 +5218,18 @@
             <a:r>
               <a:rPr lang="en-US" dirty="0">
                 <a:solidFill>
-                  <a:srgbClr val="292929"/>
+                  <a:srgbClr val="000000"/>
                 </a:solidFill>
               </a:rPr>
-              <a:t>•  Machine Learning:
-    </a:t>
+              <a:t>Machine </a:t>
+            </a:r>
+            <a:r>
+              <a:rPr lang="en-US">
+                <a:solidFill>
+                  <a:srgbClr val="000000"/>
+                </a:solidFill>
+              </a:rPr>
+              <a:t>Learning:</a:t>
             </a:r>
           </a:p>
           <a:p>
@@ -5293,11 +5239,10 @@
             <a:r>
               <a:rPr lang="en-US" sz="2400" dirty="0">
                 <a:solidFill>
-                  <a:srgbClr val="00286c"/>
+                  <a:srgbClr val="0070C0"/>
                 </a:solidFill>
               </a:rPr>
-              <a:t>• Allow the computer to learn from examples,
-     Runs on a variety of computational tasks where classic programming is not possible</a:t>
+              <a:t>Allow the computer to learn from examples, Runs on a variety of computational tasks where classic programming is not possible</a:t>
             </a:r>
           </a:p>
           <a:p>
@@ -5305,19 +5250,14 @@
               <a:buNone/>
             </a:pPr>
             <a:r>
-              <a:rPr lang="en-US" dirty="0">
-                <a:solidFill>
-                  <a:srgbClr val="292929"/>
-                </a:solidFill>
-              </a:rPr>
-              <a:t>• Supervised Learning.
-• Unsupervised Learning.
-• Reinforcement Learning</a:t>
+              <a:rPr lang="en-US" dirty="0"/>
+              <a:t>Supervised Learning. Unsupervised Learning. Reinforcement Learning</a:t>
             </a:r>
             <a:endParaRPr lang="he-IL" dirty="0"/>
           </a:p>
         </p:txBody>
       </p:sp>
+      <p:sp/>
       <p:pic>
         <p:nvPicPr>
           <p:cNvPr id="8" name="Picture 7">
@@ -5464,12 +5404,22 @@
                 <a:latin typeface="Arial" panose="020B0604020202020204" pitchFamily="34" charset="0"/>
                 <a:cs typeface="Arial" panose="020B0604020202020204" pitchFamily="34" charset="0"/>
                 <a:solidFill>
-                  <a:srgbClr val="292929"/>
+                  <a:srgbClr val="000000"/>
                 </a:solidFill>
               </a:rPr>
-              <a:t>•  Machine Learning:
-     Allow the computer to learn from examples,
-     variety of computational tasks where classic programming is not possible</a:t>
+              <a:t>Machine Learning: </a:t>
+            </a:r>
+            <a:r>
+              <a:rPr lang="en-US" dirty="0">
+                <a:solidFill>
+                  <a:schemeClr val="accent1">
+                    <a:lumMod val="75000"/>
+                  </a:schemeClr>
+                </a:solidFill>
+                <a:latin typeface="Arial" panose="020B0604020202020204" pitchFamily="34" charset="0"/>
+                <a:cs typeface="Arial" panose="020B0604020202020204" pitchFamily="34" charset="0"/>
+              </a:rPr>
+              <a:t>Allow the computer to learn from examples, variety of computational tasks where classic programming is not possible</a:t>
             </a:r>
             <a:br>
               <a:rPr lang="en-US" dirty="0">
@@ -5486,13 +5436,8 @@
               <a:rPr lang="en-US" dirty="0">
                 <a:latin typeface="Arial" panose="020B0604020202020204" pitchFamily="34" charset="0"/>
                 <a:cs typeface="Arial" panose="020B0604020202020204" pitchFamily="34" charset="0"/>
-                <a:solidFill>
-                  <a:srgbClr val="292929"/>
-                </a:solidFill>
               </a:rPr>
-              <a:t>• Supervised Learning.
-• Unsupervised Learning.
-• Reinforcement Learning</a:t>
+              <a:t>Supervised Learning. Unsupervised Learning. Reinforcement Learning</a:t>
             </a:r>
             <a:endParaRPr lang="he-IL" dirty="0">
               <a:latin typeface="Arial" panose="020B0604020202020204" pitchFamily="34" charset="0"/>
@@ -5501,6 +5446,7 @@
           </a:p>
         </p:txBody>
       </p:sp>
+      <p:sp/>
     </p:spTree>
     <p:extLst>
       <p:ext uri="{BB962C8B-B14F-4D97-AF65-F5344CB8AC3E}">
@@ -5520,7 +5466,7 @@
     <p:bg>
       <p:bgPr>
         <a:solidFill>
-          <a:srgbClr val="b5b3ff"/>
+          <a:srgbClr val="002060"/>
         </a:solidFill>
         <a:effectLst/>
       </p:bgPr>
@@ -5568,7 +5514,7 @@
             <a:r>
               <a:rPr lang="en-US" b="1" dirty="0">
                 <a:solidFill>
-                  <a:srgbClr val="002d60"/>
+                  <a:srgbClr val="00B0F0"/>
                 </a:solidFill>
               </a:rPr>
               <a:t>Definitions  [2]</a:t>
@@ -5611,15 +5557,16 @@
               <a:buNone/>
             </a:pPr>
             <a:r>
-              <a:rPr lang="en-US" dirty="0">
-                <a:solidFill>
-                  <a:srgbClr val="292929"/>
+              <a:rPr lang="en-US" dirty="0"/>
+              <a:t>Data Set: </a:t>
+            </a:r>
+            <a:r>
+              <a:rPr lang="en-US" sz="2400" dirty="0">
+                <a:solidFill>
+                  <a:srgbClr val="0070C0"/>
                 </a:solidFill>
               </a:rPr>
-              <a:t>•  Data Set:
-     Data For Learning,
-     Examples – with or without “results”.
-•</a:t>
+              <a:t>Data For Learning, Examples – with or without “results”.</a:t>
             </a:r>
           </a:p>
           <a:p>
@@ -5627,14 +5574,32 @@
               <a:buNone/>
             </a:pPr>
             <a:r>
-              <a:rPr lang="en-US" dirty="0">
-                <a:solidFill>
-                  <a:srgbClr val="292929"/>
+              <a:rPr lang="en-US" dirty="0"/>
+              <a:t>Occam’s Razor: </a:t>
+            </a:r>
+            <a:r>
+              <a:rPr lang="en-US" sz="2400" dirty="0">
+                <a:solidFill>
+                  <a:srgbClr val="0070C0"/>
                 </a:solidFill>
               </a:rPr>
-              <a:t>•  Occam’s Razor:
-     prefer a simple model if possible.
-•</a:t>
+              <a:t>prefer a </a:t>
+            </a:r>
+            <a:r>
+              <a:rPr lang="en-US" sz="2400" b="1" dirty="0">
+                <a:solidFill>
+                  <a:srgbClr val="0070C0"/>
+                </a:solidFill>
+              </a:rPr>
+              <a:t>simple</a:t>
+            </a:r>
+            <a:r>
+              <a:rPr lang="en-US" sz="2400" dirty="0">
+                <a:solidFill>
+                  <a:srgbClr val="0070C0"/>
+                </a:solidFill>
+              </a:rPr>
+              <a:t> model if possible.</a:t>
             </a:r>
             <a:endParaRPr lang="he-IL" dirty="0">
               <a:solidFill>
@@ -5723,7 +5688,7 @@
     <p:bg>
       <p:bgPr>
         <a:solidFill>
-          <a:srgbClr val="ffb6ff"/>
+          <a:srgbClr val="7030A0"/>
         </a:solidFill>
         <a:effectLst/>
       </p:bgPr>
@@ -5766,10 +5731,10 @@
             <a:r>
               <a:rPr lang="en-US" b="1" dirty="0">
                 <a:solidFill>
-                  <a:srgbClr val="002d60"/>
+                  <a:srgbClr val="00B0F0"/>
                 </a:solidFill>
               </a:rPr>
-              <a:t>Outline.</a:t>
+              <a:t>Outline</a:t>
             </a:r>
             <a:endParaRPr lang="he-IL" b="1" dirty="0">
               <a:solidFill>
@@ -5973,56 +5938,40 @@
           <a:p>
             <a:pPr marL="342900" indent="-342900"/>
             <a:r>
+              <a:rPr lang="en-US" dirty="0"/>
+              <a:t>Machine Learning</a:t>
+            </a:r>
+          </a:p>
+          <a:p>
+            <a:pPr marL="342900" indent="-342900"/>
+            <a:r>
               <a:rPr lang="en-US" dirty="0">
                 <a:solidFill>
-                  <a:srgbClr val="393939"/>
+                  <a:srgbClr val="0070C0"/>
                 </a:solidFill>
               </a:rPr>
-              <a:t>Machine Learning.</a:t>
+              <a:t>Text Mining</a:t>
             </a:r>
           </a:p>
           <a:p>
             <a:pPr marL="342900" indent="-342900"/>
             <a:r>
-              <a:rPr lang="en-US" dirty="0">
-                <a:solidFill>
-                  <a:srgbClr val="00387f"/>
-                </a:solidFill>
-              </a:rPr>
-              <a:t>Text Mining.</a:t>
+              <a:rPr lang="en-US" dirty="0"/>
+              <a:t>Learning Algorithm</a:t>
             </a:r>
           </a:p>
           <a:p>
             <a:pPr marL="342900" indent="-342900"/>
             <a:r>
-              <a:rPr lang="en-US" dirty="0">
-                <a:solidFill>
-                  <a:srgbClr val="393939"/>
-                </a:solidFill>
-              </a:rPr>
-              <a:t>Learning Algorithm.</a:t>
+              <a:rPr lang="en-US" dirty="0"/>
+              <a:t>Text mining for market prediction</a:t>
             </a:r>
           </a:p>
           <a:p>
             <a:pPr marL="342900" indent="-342900"/>
             <a:r>
-              <a:rPr lang="en-US" dirty="0">
-                <a:solidFill>
-                  <a:srgbClr val="393939"/>
-                </a:solidFill>
-              </a:rPr>
-              <a:t>Text mining for market prediction.</a:t>
-            </a:r>
-          </a:p>
-          <a:p>
-            <a:pPr marL="342900" indent="-342900"/>
-            <a:r>
-              <a:rPr lang="en-US" dirty="0">
-                <a:solidFill>
-                  <a:srgbClr val="393939"/>
-                </a:solidFill>
-              </a:rPr>
-              <a:t>Conclusions.</a:t>
+              <a:rPr lang="en-US" dirty="0"/>
+              <a:t>Conclusions</a:t>
             </a:r>
             <a:endParaRPr lang="he-IL" dirty="0"/>
           </a:p>
@@ -6047,7 +5996,7 @@
     <p:bg>
       <p:bgPr>
         <a:solidFill>
-          <a:srgbClr val="b5b3ff"/>
+          <a:srgbClr val="002060"/>
         </a:solidFill>
         <a:effectLst/>
       </p:bgPr>
@@ -6090,7 +6039,7 @@
             <a:r>
               <a:rPr lang="en-US" b="1" dirty="0">
                 <a:solidFill>
-                  <a:srgbClr val="002d60"/>
+                  <a:srgbClr val="00B0F0"/>
                 </a:solidFill>
               </a:rPr>
               <a:t>Text Mining</a:t>
@@ -6128,12 +6077,25 @@
               <a:buNone/>
             </a:pPr>
             <a:r>
+              <a:rPr lang="en-US" dirty="0"/>
+              <a:t>Technology development </a:t>
+            </a:r>
+          </a:p>
+          <a:p>
+            <a:pPr marL="0" indent="0">
+              <a:buNone/>
+            </a:pPr>
+            <a:r>
+              <a:rPr lang="en-US" dirty="0"/>
+              <a:t>Documents go digital: </a:t>
+            </a:r>
+            <a:r>
               <a:rPr lang="en-US" dirty="0">
                 <a:solidFill>
-                  <a:srgbClr val="292929"/>
+                  <a:srgbClr val="0070C0"/>
                 </a:solidFill>
               </a:rPr>
-              <a:t>• Technology development </a:t>
+              <a:t>Need to search for information digitally.</a:t>
             </a:r>
           </a:p>
           <a:p>
@@ -6141,29 +6103,8 @@
               <a:buNone/>
             </a:pPr>
             <a:r>
-              <a:rPr lang="en-US" dirty="0">
-                <a:solidFill>
-                  <a:srgbClr val="292929"/>
-                </a:solidFill>
-              </a:rPr>
-              <a:t>•  Documents go digital:
-     Need to search for information digitally.
-•</a:t>
-            </a:r>
-          </a:p>
-          <a:p>
-            <a:pPr marL="0" indent="0">
-              <a:buNone/>
-            </a:pPr>
-            <a:r>
-              <a:rPr lang="en-US" dirty="0">
-                <a:solidFill>
-                  <a:srgbClr val="292929"/>
-                </a:solidFill>
-              </a:rPr>
-              <a:t>• Strong field,
-     a lot of money,
-     very popular</a:t>
+              <a:rPr lang="en-US" dirty="0"/>
+              <a:t>Strong field, a lot of money, very popular</a:t>
             </a:r>
             <a:endParaRPr lang="he-IL" dirty="0"/>
           </a:p>

--- a/server/uploads/updated-check.pptx
+++ b/server/uploads/updated-check.pptx
@@ -3353,7 +3353,7 @@
     <p:bg>
       <p:bgPr>
         <a:solidFill>
-          <a:srgbClr val="b5b3ff"/>
+          <a:srgbClr val="002060"/>
         </a:solidFill>
         <a:effectLst/>
       </p:bgPr>
@@ -3403,7 +3403,7 @@
             <a:r>
               <a:rPr lang="en-US" b="1" dirty="0">
                 <a:solidFill>
-                  <a:srgbClr val="002d60"/>
+                  <a:srgbClr val="00B0F0"/>
                 </a:solidFill>
               </a:rPr>
               <a:t>A Review of Machine Learning Algorithms for Text-Documents Classification</a:t>
@@ -3445,7 +3445,7 @@
             <a:r>
               <a:rPr lang="en-US" dirty="0">
                 <a:solidFill>
-                  <a:srgbClr val="00286c"/>
+                  <a:srgbClr val="0070C0"/>
                 </a:solidFill>
               </a:rPr>
               <a:t>Aurangzeb Khan, Baharum Baharudin, Lam Hong Lee*, </a:t>
@@ -3453,7 +3453,7 @@
             <a:r>
               <a:rPr lang="en-US" dirty="0" err="1">
                 <a:solidFill>
-                  <a:srgbClr val="00286c"/>
+                  <a:srgbClr val="0070C0"/>
                 </a:solidFill>
               </a:rPr>
               <a:t>Khairullah</a:t>
@@ -3461,7 +3461,7 @@
             <a:r>
               <a:rPr lang="en-US" dirty="0">
                 <a:solidFill>
-                  <a:srgbClr val="00286c"/>
+                  <a:srgbClr val="0070C0"/>
                 </a:solidFill>
               </a:rPr>
               <a:t> khan</a:t>
@@ -3469,7 +3469,7 @@
             <a:r>
               <a:rPr lang="en-US" dirty="0">
                 <a:solidFill>
-                  <a:srgbClr val="00286c"/>
+                  <a:srgbClr val="0070C0"/>
                 </a:solidFill>
               </a:rPr>
               <a:t>FEBRUARY 2010</a:t>
@@ -4849,7 +4849,7 @@
     <p:bg>
       <p:bgPr>
         <a:solidFill>
-          <a:srgbClr val="ffb6ff"/>
+          <a:srgbClr val="7030A0"/>
         </a:solidFill>
         <a:effectLst/>
       </p:bgPr>
@@ -4892,10 +4892,10 @@
             <a:r>
               <a:rPr lang="en-US" b="1" dirty="0">
                 <a:solidFill>
-                  <a:srgbClr val="002d60"/>
+                  <a:srgbClr val="00B0F0"/>
                 </a:solidFill>
               </a:rPr>
-              <a:t>Outline.</a:t>
+              <a:t>Outline</a:t>
             </a:r>
             <a:endParaRPr lang="he-IL" b="1" dirty="0">
               <a:solidFill>
@@ -5101,10 +5101,10 @@
             <a:r>
               <a:rPr lang="en-US" dirty="0">
                 <a:solidFill>
-                  <a:srgbClr val="00387f"/>
+                  <a:srgbClr val="0070C0"/>
                 </a:solidFill>
               </a:rPr>
-              <a:t>Machine Learning.</a:t>
+              <a:t>Machine Learning</a:t>
             </a:r>
           </a:p>
           <a:p>
@@ -5112,54 +5112,38 @@
             <a:r>
               <a:rPr lang="en-US" sz="2600" dirty="0">
                 <a:solidFill>
-                  <a:srgbClr val="00387f"/>
+                  <a:srgbClr val="0070C0"/>
                 </a:solidFill>
               </a:rPr>
-              <a:t>Definitions.</a:t>
+              <a:t>Definitions</a:t>
             </a:r>
           </a:p>
           <a:p>
             <a:pPr marL="342900" indent="-342900"/>
             <a:r>
-              <a:rPr lang="en-US" dirty="0">
-                <a:solidFill>
-                  <a:srgbClr val="393939"/>
-                </a:solidFill>
-              </a:rPr>
-              <a:t>Text Mining.</a:t>
+              <a:rPr lang="en-US" dirty="0"/>
+              <a:t>Text Mining</a:t>
             </a:r>
           </a:p>
           <a:p>
             <a:pPr marL="342900" indent="-342900"/>
             <a:r>
-              <a:rPr lang="en-US" dirty="0">
-                <a:solidFill>
-                  <a:srgbClr val="393939"/>
-                </a:solidFill>
-              </a:rPr>
-              <a:t>Learning Algorithm.</a:t>
+              <a:rPr lang="en-US" dirty="0"/>
+              <a:t>Learning Algorithm</a:t>
             </a:r>
           </a:p>
           <a:p>
             <a:pPr marL="342900" indent="-342900"/>
             <a:r>
-              <a:rPr lang="en-US" dirty="0">
-                <a:solidFill>
-                  <a:srgbClr val="393939"/>
-                </a:solidFill>
-              </a:rPr>
-              <a:t>Text mining for market prediction.</a:t>
+              <a:rPr lang="en-US" dirty="0"/>
+              <a:t>Text mining for market prediction</a:t>
             </a:r>
           </a:p>
           <a:p>
             <a:pPr marL="342900" indent="-342900"/>
             <a:r>
-              <a:rPr lang="en-US" dirty="0">
-                <a:solidFill>
-                  <a:srgbClr val="393939"/>
-                </a:solidFill>
-              </a:rPr>
-              <a:t>Conclusions.</a:t>
+              <a:rPr lang="en-US" dirty="0"/>
+              <a:t>Conclusions</a:t>
             </a:r>
             <a:endParaRPr lang="he-IL" dirty="0"/>
           </a:p>
@@ -5235,7 +5219,7 @@
                   <a:srgbClr val="002d60"/>
                 </a:solidFill>
               </a:rPr>
-              <a:t>Definitions [1]</a:t>
+              <a:t>•Definitions [1]</a:t>
             </a:r>
             <a:endParaRPr lang="he-IL" b="1" dirty="0">
               <a:solidFill>
@@ -5282,8 +5266,7 @@
                   <a:srgbClr val="292929"/>
                 </a:solidFill>
               </a:rPr>
-              <a:t>•  Machine Learning:
-    </a:t>
+              <a:t>Machine Learning:</a:t>
             </a:r>
           </a:p>
           <a:p>
@@ -5296,8 +5279,7 @@
                   <a:srgbClr val="00286c"/>
                 </a:solidFill>
               </a:rPr>
-              <a:t>• Allow the computer to learn from examples,
-     Runs on a variety of computational tasks where classic programming is not possible</a:t>
+              <a:t>•Allow the computer to learn from examples, Runs on a variety of computational tasks where classic programming is not possible</a:t>
             </a:r>
           </a:p>
           <a:p>
@@ -5310,8 +5292,8 @@
                   <a:srgbClr val="292929"/>
                 </a:solidFill>
               </a:rPr>
-              <a:t>• Supervised Learning.
-• Unsupervised Learning.
+              <a:t>•Supervised Learning
+• Unsupervised Learning
 • Reinforcement Learning</a:t>
             </a:r>
             <a:endParaRPr lang="he-IL" dirty="0"/>
@@ -5367,7 +5349,7 @@
     <p:bg>
       <p:bgPr>
         <a:solidFill>
-          <a:srgbClr val="b5b3ff"/>
+          <a:srgbClr val="002060"/>
         </a:solidFill>
         <a:effectLst/>
       </p:bgPr>
@@ -5415,7 +5397,7 @@
             <a:r>
               <a:rPr lang="en-US" b="1" dirty="0">
                 <a:solidFill>
-                  <a:srgbClr val="002d60"/>
+                  <a:srgbClr val="00B0F0"/>
                 </a:solidFill>
               </a:rPr>
               <a:t>Definitions [1]</a:t>
@@ -5463,13 +5445,20 @@
               <a:rPr lang="en-US" dirty="0">
                 <a:latin typeface="Arial" panose="020B0604020202020204" pitchFamily="34" charset="0"/>
                 <a:cs typeface="Arial" panose="020B0604020202020204" pitchFamily="34" charset="0"/>
-                <a:solidFill>
-                  <a:srgbClr val="292929"/>
-                </a:solidFill>
               </a:rPr>
-              <a:t>•  Machine Learning:
-     Allow the computer to learn from examples,
-     variety of computational tasks where classic programming is not possible</a:t>
+              <a:t>Machine Learning: </a:t>
+            </a:r>
+            <a:r>
+              <a:rPr lang="en-US" dirty="0">
+                <a:solidFill>
+                  <a:schemeClr val="accent1">
+                    <a:lumMod val="75000"/>
+                  </a:schemeClr>
+                </a:solidFill>
+                <a:latin typeface="Arial" panose="020B0604020202020204" pitchFamily="34" charset="0"/>
+                <a:cs typeface="Arial" panose="020B0604020202020204" pitchFamily="34" charset="0"/>
+              </a:rPr>
+              <a:t>Allow the computer to learn from examples, variety of computational tasks where classic programming is not possible</a:t>
             </a:r>
             <a:br>
               <a:rPr lang="en-US" dirty="0">
@@ -5486,13 +5475,8 @@
               <a:rPr lang="en-US" dirty="0">
                 <a:latin typeface="Arial" panose="020B0604020202020204" pitchFamily="34" charset="0"/>
                 <a:cs typeface="Arial" panose="020B0604020202020204" pitchFamily="34" charset="0"/>
-                <a:solidFill>
-                  <a:srgbClr val="292929"/>
-                </a:solidFill>
               </a:rPr>
-              <a:t>• Supervised Learning.
-• Unsupervised Learning.
-• Reinforcement Learning</a:t>
+              <a:t>Supervised Learning. Unsupervised Learning. Reinforcement Learning</a:t>
             </a:r>
             <a:endParaRPr lang="he-IL" dirty="0">
               <a:latin typeface="Arial" panose="020B0604020202020204" pitchFamily="34" charset="0"/>
@@ -5520,7 +5504,7 @@
     <p:bg>
       <p:bgPr>
         <a:solidFill>
-          <a:srgbClr val="b5b3ff"/>
+          <a:srgbClr val="002060"/>
         </a:solidFill>
         <a:effectLst/>
       </p:bgPr>
@@ -5568,7 +5552,7 @@
             <a:r>
               <a:rPr lang="en-US" b="1" dirty="0">
                 <a:solidFill>
-                  <a:srgbClr val="002d60"/>
+                  <a:srgbClr val="00B0F0"/>
                 </a:solidFill>
               </a:rPr>
               <a:t>Definitions  [2]</a:t>
@@ -5611,15 +5595,16 @@
               <a:buNone/>
             </a:pPr>
             <a:r>
-              <a:rPr lang="en-US" dirty="0">
-                <a:solidFill>
-                  <a:srgbClr val="292929"/>
+              <a:rPr lang="en-US" dirty="0"/>
+              <a:t>Data Set: </a:t>
+            </a:r>
+            <a:r>
+              <a:rPr lang="en-US" sz="2400" dirty="0">
+                <a:solidFill>
+                  <a:srgbClr val="0070C0"/>
                 </a:solidFill>
               </a:rPr>
-              <a:t>•  Data Set:
-     Data For Learning,
-     Examples – with or without “results”.
-•</a:t>
+              <a:t>Data For Learning, Examples – with or without “results”.</a:t>
             </a:r>
           </a:p>
           <a:p>
@@ -5627,14 +5612,32 @@
               <a:buNone/>
             </a:pPr>
             <a:r>
-              <a:rPr lang="en-US" dirty="0">
-                <a:solidFill>
-                  <a:srgbClr val="292929"/>
+              <a:rPr lang="en-US" dirty="0"/>
+              <a:t>Occam’s Razor: </a:t>
+            </a:r>
+            <a:r>
+              <a:rPr lang="en-US" sz="2400" dirty="0">
+                <a:solidFill>
+                  <a:srgbClr val="0070C0"/>
                 </a:solidFill>
               </a:rPr>
-              <a:t>•  Occam’s Razor:
-     prefer a simple model if possible.
-•</a:t>
+              <a:t>prefer a </a:t>
+            </a:r>
+            <a:r>
+              <a:rPr lang="en-US" sz="2400" b="1" dirty="0">
+                <a:solidFill>
+                  <a:srgbClr val="0070C0"/>
+                </a:solidFill>
+              </a:rPr>
+              <a:t>simple</a:t>
+            </a:r>
+            <a:r>
+              <a:rPr lang="en-US" sz="2400" dirty="0">
+                <a:solidFill>
+                  <a:srgbClr val="0070C0"/>
+                </a:solidFill>
+              </a:rPr>
+              <a:t> model if possible.</a:t>
             </a:r>
             <a:endParaRPr lang="he-IL" dirty="0">
               <a:solidFill>
@@ -5723,7 +5726,7 @@
     <p:bg>
       <p:bgPr>
         <a:solidFill>
-          <a:srgbClr val="ffb6ff"/>
+          <a:srgbClr val="7030A0"/>
         </a:solidFill>
         <a:effectLst/>
       </p:bgPr>
@@ -5766,10 +5769,10 @@
             <a:r>
               <a:rPr lang="en-US" b="1" dirty="0">
                 <a:solidFill>
-                  <a:srgbClr val="002d60"/>
+                  <a:srgbClr val="00B0F0"/>
                 </a:solidFill>
               </a:rPr>
-              <a:t>Outline.</a:t>
+              <a:t>Outline</a:t>
             </a:r>
             <a:endParaRPr lang="he-IL" b="1" dirty="0">
               <a:solidFill>
@@ -5973,56 +5976,40 @@
           <a:p>
             <a:pPr marL="342900" indent="-342900"/>
             <a:r>
+              <a:rPr lang="en-US" dirty="0"/>
+              <a:t>Machine Learning</a:t>
+            </a:r>
+          </a:p>
+          <a:p>
+            <a:pPr marL="342900" indent="-342900"/>
+            <a:r>
               <a:rPr lang="en-US" dirty="0">
                 <a:solidFill>
-                  <a:srgbClr val="393939"/>
+                  <a:srgbClr val="0070C0"/>
                 </a:solidFill>
               </a:rPr>
-              <a:t>Machine Learning.</a:t>
+              <a:t>Text Mining</a:t>
             </a:r>
           </a:p>
           <a:p>
             <a:pPr marL="342900" indent="-342900"/>
             <a:r>
-              <a:rPr lang="en-US" dirty="0">
-                <a:solidFill>
-                  <a:srgbClr val="00387f"/>
-                </a:solidFill>
-              </a:rPr>
-              <a:t>Text Mining.</a:t>
+              <a:rPr lang="en-US" dirty="0"/>
+              <a:t>Learning Algorithm</a:t>
             </a:r>
           </a:p>
           <a:p>
             <a:pPr marL="342900" indent="-342900"/>
             <a:r>
-              <a:rPr lang="en-US" dirty="0">
-                <a:solidFill>
-                  <a:srgbClr val="393939"/>
-                </a:solidFill>
-              </a:rPr>
-              <a:t>Learning Algorithm.</a:t>
+              <a:rPr lang="en-US" dirty="0"/>
+              <a:t>Text mining for market prediction</a:t>
             </a:r>
           </a:p>
           <a:p>
             <a:pPr marL="342900" indent="-342900"/>
             <a:r>
-              <a:rPr lang="en-US" dirty="0">
-                <a:solidFill>
-                  <a:srgbClr val="393939"/>
-                </a:solidFill>
-              </a:rPr>
-              <a:t>Text mining for market prediction.</a:t>
-            </a:r>
-          </a:p>
-          <a:p>
-            <a:pPr marL="342900" indent="-342900"/>
-            <a:r>
-              <a:rPr lang="en-US" dirty="0">
-                <a:solidFill>
-                  <a:srgbClr val="393939"/>
-                </a:solidFill>
-              </a:rPr>
-              <a:t>Conclusions.</a:t>
+              <a:rPr lang="en-US" dirty="0"/>
+              <a:t>Conclusions</a:t>
             </a:r>
             <a:endParaRPr lang="he-IL" dirty="0"/>
           </a:p>
@@ -6047,7 +6034,7 @@
     <p:bg>
       <p:bgPr>
         <a:solidFill>
-          <a:srgbClr val="b5b3ff"/>
+          <a:srgbClr val="002060"/>
         </a:solidFill>
         <a:effectLst/>
       </p:bgPr>
@@ -6090,7 +6077,7 @@
             <a:r>
               <a:rPr lang="en-US" b="1" dirty="0">
                 <a:solidFill>
-                  <a:srgbClr val="002d60"/>
+                  <a:srgbClr val="00B0F0"/>
                 </a:solidFill>
               </a:rPr>
               <a:t>Text Mining</a:t>
@@ -6128,12 +6115,25 @@
               <a:buNone/>
             </a:pPr>
             <a:r>
+              <a:rPr lang="en-US" dirty="0"/>
+              <a:t>Technology development </a:t>
+            </a:r>
+          </a:p>
+          <a:p>
+            <a:pPr marL="0" indent="0">
+              <a:buNone/>
+            </a:pPr>
+            <a:r>
+              <a:rPr lang="en-US" dirty="0"/>
+              <a:t>Documents go digital: </a:t>
+            </a:r>
+            <a:r>
               <a:rPr lang="en-US" dirty="0">
                 <a:solidFill>
-                  <a:srgbClr val="292929"/>
+                  <a:srgbClr val="0070C0"/>
                 </a:solidFill>
               </a:rPr>
-              <a:t>• Technology development </a:t>
+              <a:t>Need to search for information digitally.</a:t>
             </a:r>
           </a:p>
           <a:p>
@@ -6141,29 +6141,8 @@
               <a:buNone/>
             </a:pPr>
             <a:r>
-              <a:rPr lang="en-US" dirty="0">
-                <a:solidFill>
-                  <a:srgbClr val="292929"/>
-                </a:solidFill>
-              </a:rPr>
-              <a:t>•  Documents go digital:
-     Need to search for information digitally.
-•</a:t>
-            </a:r>
-          </a:p>
-          <a:p>
-            <a:pPr marL="0" indent="0">
-              <a:buNone/>
-            </a:pPr>
-            <a:r>
-              <a:rPr lang="en-US" dirty="0">
-                <a:solidFill>
-                  <a:srgbClr val="292929"/>
-                </a:solidFill>
-              </a:rPr>
-              <a:t>• Strong field,
-     a lot of money,
-     very popular</a:t>
+              <a:rPr lang="en-US" dirty="0"/>
+              <a:t>Strong field, a lot of money, very popular</a:t>
             </a:r>
             <a:endParaRPr lang="he-IL" dirty="0"/>
           </a:p>

--- a/server/uploads/updated-check.pptx
+++ b/server/uploads/updated-check.pptx
@@ -19,7 +19,6 @@
     <p:sldId id="265" r:id="rId13"/>
     <p:sldId id="266" r:id="rId14"/>
     <p:sldId id="267" r:id="rId15"/>
-    <p:sldId id="268" r:id="rId16"/>
   </p:sldIdLst>
   <p:sldSz cx="12192000" cy="6858000"/>
   <p:notesSz cx="6858000" cy="9144000"/>
@@ -275,7 +274,7 @@
           <a:p>
             <a:fld id="{94463C9C-F912-4252-8C2D-08E20751123F}" type="datetimeFigureOut">
               <a:rPr lang="he-IL" smtClean="0"/>
-              <a:t>כ"ז/ניסן/תשפ"ב</a:t>
+              <a:t>ד'/אייר/תשפ"ב</a:t>
             </a:fld>
             <a:endParaRPr lang="he-IL" dirty="0"/>
           </a:p>
@@ -475,7 +474,7 @@
           <a:p>
             <a:fld id="{94463C9C-F912-4252-8C2D-08E20751123F}" type="datetimeFigureOut">
               <a:rPr lang="he-IL" smtClean="0"/>
-              <a:t>כ"ז/ניסן/תשפ"ב</a:t>
+              <a:t>ד'/אייר/תשפ"ב</a:t>
             </a:fld>
             <a:endParaRPr lang="he-IL" dirty="0"/>
           </a:p>
@@ -685,7 +684,7 @@
           <a:p>
             <a:fld id="{94463C9C-F912-4252-8C2D-08E20751123F}" type="datetimeFigureOut">
               <a:rPr lang="he-IL" smtClean="0"/>
-              <a:t>כ"ז/ניסן/תשפ"ב</a:t>
+              <a:t>ד'/אייר/תשפ"ב</a:t>
             </a:fld>
             <a:endParaRPr lang="he-IL" dirty="0"/>
           </a:p>
@@ -885,7 +884,7 @@
           <a:p>
             <a:fld id="{94463C9C-F912-4252-8C2D-08E20751123F}" type="datetimeFigureOut">
               <a:rPr lang="he-IL" smtClean="0"/>
-              <a:t>כ"ז/ניסן/תשפ"ב</a:t>
+              <a:t>ד'/אייר/תשפ"ב</a:t>
             </a:fld>
             <a:endParaRPr lang="he-IL" dirty="0"/>
           </a:p>
@@ -1161,7 +1160,7 @@
           <a:p>
             <a:fld id="{94463C9C-F912-4252-8C2D-08E20751123F}" type="datetimeFigureOut">
               <a:rPr lang="he-IL" smtClean="0"/>
-              <a:t>כ"ז/ניסן/תשפ"ב</a:t>
+              <a:t>ד'/אייר/תשפ"ב</a:t>
             </a:fld>
             <a:endParaRPr lang="he-IL" dirty="0"/>
           </a:p>
@@ -1429,7 +1428,7 @@
           <a:p>
             <a:fld id="{94463C9C-F912-4252-8C2D-08E20751123F}" type="datetimeFigureOut">
               <a:rPr lang="he-IL" smtClean="0"/>
-              <a:t>כ"ז/ניסן/תשפ"ב</a:t>
+              <a:t>ד'/אייר/תשפ"ב</a:t>
             </a:fld>
             <a:endParaRPr lang="he-IL" dirty="0"/>
           </a:p>
@@ -1844,7 +1843,7 @@
           <a:p>
             <a:fld id="{94463C9C-F912-4252-8C2D-08E20751123F}" type="datetimeFigureOut">
               <a:rPr lang="he-IL" smtClean="0"/>
-              <a:t>כ"ז/ניסן/תשפ"ב</a:t>
+              <a:t>ד'/אייר/תשפ"ב</a:t>
             </a:fld>
             <a:endParaRPr lang="he-IL" dirty="0"/>
           </a:p>
@@ -1986,7 +1985,7 @@
           <a:p>
             <a:fld id="{94463C9C-F912-4252-8C2D-08E20751123F}" type="datetimeFigureOut">
               <a:rPr lang="he-IL" smtClean="0"/>
-              <a:t>כ"ז/ניסן/תשפ"ב</a:t>
+              <a:t>ד'/אייר/תשפ"ב</a:t>
             </a:fld>
             <a:endParaRPr lang="he-IL" dirty="0"/>
           </a:p>
@@ -2099,7 +2098,7 @@
           <a:p>
             <a:fld id="{94463C9C-F912-4252-8C2D-08E20751123F}" type="datetimeFigureOut">
               <a:rPr lang="he-IL" smtClean="0"/>
-              <a:t>כ"ז/ניסן/תשפ"ב</a:t>
+              <a:t>ד'/אייר/תשפ"ב</a:t>
             </a:fld>
             <a:endParaRPr lang="he-IL" dirty="0"/>
           </a:p>
@@ -2412,7 +2411,7 @@
           <a:p>
             <a:fld id="{94463C9C-F912-4252-8C2D-08E20751123F}" type="datetimeFigureOut">
               <a:rPr lang="he-IL" smtClean="0"/>
-              <a:t>כ"ז/ניסן/תשפ"ב</a:t>
+              <a:t>ד'/אייר/תשפ"ב</a:t>
             </a:fld>
             <a:endParaRPr lang="he-IL" dirty="0"/>
           </a:p>
@@ -2701,7 +2700,7 @@
           <a:p>
             <a:fld id="{94463C9C-F912-4252-8C2D-08E20751123F}" type="datetimeFigureOut">
               <a:rPr lang="he-IL" smtClean="0"/>
-              <a:t>כ"ז/ניסן/תשפ"ב</a:t>
+              <a:t>ד'/אייר/תשפ"ב</a:t>
             </a:fld>
             <a:endParaRPr lang="he-IL" dirty="0"/>
           </a:p>
@@ -2947,7 +2946,7 @@
           <a:p>
             <a:fld id="{94463C9C-F912-4252-8C2D-08E20751123F}" type="datetimeFigureOut">
               <a:rPr lang="he-IL" smtClean="0"/>
-              <a:t>כ"ז/ניסן/תשפ"ב</a:t>
+              <a:t>ד'/אייר/תשפ"ב</a:t>
             </a:fld>
             <a:endParaRPr lang="he-IL" dirty="0"/>
           </a:p>
@@ -4783,66 +4782,6 @@
 </p:sld>
 </file>
 
-<file path=ppt/slides/slide15.xml><?xml version="1.0" encoding="utf-8"?>
-<p:sld xmlns:a="http://schemas.openxmlformats.org/drawingml/2006/main" xmlns:r="http://schemas.openxmlformats.org/officeDocument/2006/relationships" xmlns:p="http://schemas.openxmlformats.org/presentationml/2006/main">
-  <p:cSld>
-    <p:spTree>
-      <p:nvGrpSpPr>
-        <p:cNvPr id="1" name=""/>
-        <p:cNvGrpSpPr/>
-        <p:nvPr/>
-      </p:nvGrpSpPr>
-      <p:grpSpPr>
-        <a:xfrm>
-          <a:off x="0" y="0"/>
-          <a:ext cx="0" cy="0"/>
-          <a:chOff x="0" y="0"/>
-          <a:chExt cx="0" cy="0"/>
-        </a:xfrm>
-      </p:grpSpPr>
-      <p:pic>
-        <p:nvPicPr>
-          <p:cNvPr id="4" name="תמונה 3">
-            <a:extLst>
-              <a:ext uri="{FF2B5EF4-FFF2-40B4-BE49-F238E27FC236}">
-                <a16:creationId xmlns:a16="http://schemas.microsoft.com/office/drawing/2014/main" id="{A21CFB5E-66C0-4CF8-B8B8-51C521903EF5}"/>
-              </a:ext>
-            </a:extLst>
-          </p:cNvPr>
-          <p:cNvPicPr>
-            <a:picLocks noChangeAspect="1"/>
-          </p:cNvPicPr>
-          <p:nvPr/>
-        </p:nvPicPr>
-        <p:blipFill>
-          <a:blip r:embed="rId2"/>
-          <a:stretch>
-            <a:fillRect/>
-          </a:stretch>
-        </p:blipFill>
-        <p:spPr>
-          <a:xfrm>
-            <a:off x="3038475" y="1057241"/>
-            <a:ext cx="6443150" cy="4743518"/>
-          </a:xfrm>
-          <a:prstGeom prst="rect">
-            <a:avLst/>
-          </a:prstGeom>
-        </p:spPr>
-      </p:pic>
-    </p:spTree>
-    <p:extLst>
-      <p:ext uri="{BB962C8B-B14F-4D97-AF65-F5344CB8AC3E}">
-        <p14:creationId xmlns:p14="http://schemas.microsoft.com/office/powerpoint/2010/main" val="4042024109"/>
-      </p:ext>
-    </p:extLst>
-  </p:cSld>
-  <p:clrMapOvr>
-    <a:masterClrMapping/>
-  </p:clrMapOvr>
-</p:sld>
-</file>
-
 <file path=ppt/slides/slide2.xml><?xml version="1.0" encoding="utf-8"?>
 <p:sld xmlns:a="http://schemas.openxmlformats.org/drawingml/2006/main" xmlns:r="http://schemas.openxmlformats.org/officeDocument/2006/relationships" xmlns:p="http://schemas.openxmlformats.org/presentationml/2006/main" showMasterSp="0">
   <p:cSld>
@@ -5219,7 +5158,7 @@
                   <a:srgbClr val="002d60"/>
                 </a:solidFill>
               </a:rPr>
-              <a:t>•Definitions [1]</a:t>
+              <a:t>Definitions [1]</a:t>
             </a:r>
             <a:endParaRPr lang="he-IL" b="1" dirty="0">
               <a:solidFill>
@@ -5263,10 +5202,18 @@
             <a:r>
               <a:rPr lang="en-US" dirty="0">
                 <a:solidFill>
-                  <a:srgbClr val="292929"/>
+                  <a:srgbClr val="000000"/>
                 </a:solidFill>
               </a:rPr>
-              <a:t>Machine Learning:</a:t>
+              <a:t>Machine </a:t>
+            </a:r>
+            <a:r>
+              <a:rPr lang="en-US">
+                <a:solidFill>
+                  <a:srgbClr val="000000"/>
+                </a:solidFill>
+              </a:rPr>
+              <a:t>Learning:</a:t>
             </a:r>
           </a:p>
           <a:p>
@@ -5276,10 +5223,10 @@
             <a:r>
               <a:rPr lang="en-US" sz="2400" dirty="0">
                 <a:solidFill>
-                  <a:srgbClr val="00286c"/>
+                  <a:srgbClr val="0070C0"/>
                 </a:solidFill>
               </a:rPr>
-              <a:t>•Allow the computer to learn from examples, Runs on a variety of computational tasks where classic programming is not possible</a:t>
+              <a:t>Allow the computer to learn from examples, Runs on a variety of computational tasks where classic programming is not possible</a:t>
             </a:r>
           </a:p>
           <a:p>
@@ -5287,19 +5234,14 @@
               <a:buNone/>
             </a:pPr>
             <a:r>
-              <a:rPr lang="en-US" dirty="0">
-                <a:solidFill>
-                  <a:srgbClr val="292929"/>
-                </a:solidFill>
-              </a:rPr>
-              <a:t>•Supervised Learning
-• Unsupervised Learning
-• Reinforcement Learning</a:t>
+              <a:rPr lang="en-US" dirty="0"/>
+              <a:t>Supervised Learning. Unsupervised Learning. Reinforcement Learning</a:t>
             </a:r>
             <a:endParaRPr lang="he-IL" dirty="0"/>
           </a:p>
         </p:txBody>
       </p:sp>
+      <p:sp/>
       <p:pic>
         <p:nvPicPr>
           <p:cNvPr id="8" name="Picture 7">
